--- a/social/instagram - collage.pptx
+++ b/social/instagram - collage.pptx
@@ -1442,7 +1442,7 @@
           <a:p>
             <a:fld id="{865D7AB1-FF78-44A7-B276-877EED28BAA5}" type="datetimeFigureOut">
               <a:rPr lang="en-US" smtClean="0"/>
-              <a:t>1/17/2022</a:t>
+              <a:t>1/19/2022</a:t>
             </a:fld>
             <a:endParaRPr lang="en-US"/>
           </a:p>
@@ -1851,294 +1851,168 @@
           <a:chExt cx="0" cy="0"/>
         </a:xfrm>
       </p:grpSpPr>
-      <p:pic>
-        <p:nvPicPr>
-          <p:cNvPr id="32" name="Picture Placeholder 31">
-            <a:extLst>
-              <a:ext uri="{FF2B5EF4-FFF2-40B4-BE49-F238E27FC236}">
-                <a16:creationId xmlns:a16="http://schemas.microsoft.com/office/drawing/2014/main" id="{D7E2214F-DCEF-4680-880B-6C09FAFC2EE1}"/>
-              </a:ext>
-            </a:extLst>
-          </p:cNvPr>
-          <p:cNvPicPr>
-            <a:picLocks noGrp="1" noChangeAspect="1"/>
-          </p:cNvPicPr>
+      <p:sp>
+        <p:nvSpPr>
+          <p:cNvPr id="3" name="Picture Placeholder 2">
+            <a:extLst>
+              <a:ext uri="{FF2B5EF4-FFF2-40B4-BE49-F238E27FC236}">
+                <a16:creationId xmlns:a16="http://schemas.microsoft.com/office/drawing/2014/main" id="{E0A4289F-12F0-4E00-AF26-7D58FD865C1C}"/>
+              </a:ext>
+            </a:extLst>
+          </p:cNvPr>
+          <p:cNvSpPr>
+            <a:spLocks noGrp="1"/>
+          </p:cNvSpPr>
           <p:nvPr>
             <p:ph type="pic" sz="quarter" idx="10"/>
           </p:nvPr>
-        </p:nvPicPr>
-        <p:blipFill>
-          <a:blip r:embed="rId2">
-            <a:extLst>
-              <a:ext uri="{28A0092B-C50C-407E-A947-70E740481C1C}">
-                <a14:useLocalDpi xmlns:a14="http://schemas.microsoft.com/office/drawing/2010/main" val="0"/>
-              </a:ext>
-            </a:extLst>
-          </a:blip>
-          <a:srcRect t="16507" b="16507"/>
-          <a:stretch>
-            <a:fillRect/>
-          </a:stretch>
-        </p:blipFill>
+        </p:nvSpPr>
         <p:spPr/>
-      </p:pic>
-      <p:pic>
-        <p:nvPicPr>
-          <p:cNvPr id="34" name="Picture Placeholder 33">
-            <a:extLst>
-              <a:ext uri="{FF2B5EF4-FFF2-40B4-BE49-F238E27FC236}">
-                <a16:creationId xmlns:a16="http://schemas.microsoft.com/office/drawing/2014/main" id="{DC599127-B880-44C5-A589-9F1F96EB61FF}"/>
-              </a:ext>
-            </a:extLst>
-          </p:cNvPr>
-          <p:cNvPicPr>
-            <a:picLocks noGrp="1" noChangeAspect="1"/>
-          </p:cNvPicPr>
+      </p:sp>
+      <p:sp>
+        <p:nvSpPr>
+          <p:cNvPr id="5" name="Picture Placeholder 4">
+            <a:extLst>
+              <a:ext uri="{FF2B5EF4-FFF2-40B4-BE49-F238E27FC236}">
+                <a16:creationId xmlns:a16="http://schemas.microsoft.com/office/drawing/2014/main" id="{2B9B9B3F-A1E9-4931-AE9D-171572193E7D}"/>
+              </a:ext>
+            </a:extLst>
+          </p:cNvPr>
+          <p:cNvSpPr>
+            <a:spLocks noGrp="1"/>
+          </p:cNvSpPr>
           <p:nvPr>
             <p:ph type="pic" sz="quarter" idx="11"/>
           </p:nvPr>
-        </p:nvPicPr>
-        <p:blipFill>
-          <a:blip r:embed="rId3">
-            <a:extLst>
-              <a:ext uri="{28A0092B-C50C-407E-A947-70E740481C1C}">
-                <a14:useLocalDpi xmlns:a14="http://schemas.microsoft.com/office/drawing/2010/main" val="0"/>
-              </a:ext>
-            </a:extLst>
-          </a:blip>
-          <a:srcRect t="16490" b="16490"/>
-          <a:stretch>
-            <a:fillRect/>
-          </a:stretch>
-        </p:blipFill>
+        </p:nvSpPr>
         <p:spPr/>
-      </p:pic>
-      <p:pic>
-        <p:nvPicPr>
-          <p:cNvPr id="36" name="Picture Placeholder 35">
-            <a:extLst>
-              <a:ext uri="{FF2B5EF4-FFF2-40B4-BE49-F238E27FC236}">
-                <a16:creationId xmlns:a16="http://schemas.microsoft.com/office/drawing/2014/main" id="{EA54A7DC-A82F-417D-83C1-92EDB6DCBFAB}"/>
-              </a:ext>
-            </a:extLst>
-          </p:cNvPr>
-          <p:cNvPicPr>
-            <a:picLocks noGrp="1" noChangeAspect="1"/>
-          </p:cNvPicPr>
+      </p:sp>
+      <p:sp>
+        <p:nvSpPr>
+          <p:cNvPr id="7" name="Picture Placeholder 6">
+            <a:extLst>
+              <a:ext uri="{FF2B5EF4-FFF2-40B4-BE49-F238E27FC236}">
+                <a16:creationId xmlns:a16="http://schemas.microsoft.com/office/drawing/2014/main" id="{673DD496-4F66-4B50-94BE-8CD0BDD1F6A1}"/>
+              </a:ext>
+            </a:extLst>
+          </p:cNvPr>
+          <p:cNvSpPr>
+            <a:spLocks noGrp="1"/>
+          </p:cNvSpPr>
           <p:nvPr>
             <p:ph type="pic" sz="quarter" idx="12"/>
           </p:nvPr>
-        </p:nvPicPr>
-        <p:blipFill rotWithShape="1">
-          <a:blip r:embed="rId4">
-            <a:extLst>
-              <a:ext uri="{28A0092B-C50C-407E-A947-70E740481C1C}">
-                <a14:useLocalDpi xmlns:a14="http://schemas.microsoft.com/office/drawing/2010/main" val="0"/>
-              </a:ext>
-            </a:extLst>
-          </a:blip>
-          <a:srcRect t="5322" b="27692"/>
-          <a:stretch/>
-        </p:blipFill>
-        <p:spPr>
-          <a:xfrm>
-            <a:off x="6126480" y="0"/>
-            <a:ext cx="3017520" cy="3017520"/>
-          </a:xfrm>
-        </p:spPr>
-      </p:pic>
-      <p:pic>
-        <p:nvPicPr>
-          <p:cNvPr id="38" name="Picture Placeholder 37">
-            <a:extLst>
-              <a:ext uri="{FF2B5EF4-FFF2-40B4-BE49-F238E27FC236}">
-                <a16:creationId xmlns:a16="http://schemas.microsoft.com/office/drawing/2014/main" id="{2812DB5B-27B2-4C65-B216-535E6FA04ED9}"/>
-              </a:ext>
-            </a:extLst>
-          </p:cNvPr>
-          <p:cNvPicPr>
-            <a:picLocks noGrp="1" noChangeAspect="1"/>
-          </p:cNvPicPr>
+        </p:nvSpPr>
+        <p:spPr/>
+      </p:sp>
+      <p:sp>
+        <p:nvSpPr>
+          <p:cNvPr id="9" name="Picture Placeholder 8">
+            <a:extLst>
+              <a:ext uri="{FF2B5EF4-FFF2-40B4-BE49-F238E27FC236}">
+                <a16:creationId xmlns:a16="http://schemas.microsoft.com/office/drawing/2014/main" id="{0C2A2BFD-7A0A-456C-965F-484DFB1404AC}"/>
+              </a:ext>
+            </a:extLst>
+          </p:cNvPr>
+          <p:cNvSpPr>
+            <a:spLocks noGrp="1"/>
+          </p:cNvSpPr>
           <p:nvPr>
             <p:ph type="pic" sz="quarter" idx="16"/>
           </p:nvPr>
-        </p:nvPicPr>
-        <p:blipFill>
-          <a:blip r:embed="rId5">
-            <a:extLst>
-              <a:ext uri="{28A0092B-C50C-407E-A947-70E740481C1C}">
-                <a14:useLocalDpi xmlns:a14="http://schemas.microsoft.com/office/drawing/2010/main" val="0"/>
-              </a:ext>
-            </a:extLst>
-          </a:blip>
-          <a:srcRect t="16507" b="16507"/>
-          <a:stretch>
-            <a:fillRect/>
-          </a:stretch>
-        </p:blipFill>
+        </p:nvSpPr>
         <p:spPr/>
-      </p:pic>
-      <p:pic>
-        <p:nvPicPr>
-          <p:cNvPr id="40" name="Picture Placeholder 39">
-            <a:extLst>
-              <a:ext uri="{FF2B5EF4-FFF2-40B4-BE49-F238E27FC236}">
-                <a16:creationId xmlns:a16="http://schemas.microsoft.com/office/drawing/2014/main" id="{EFA7B9EF-6A64-4EC0-8EAF-B6EA9D52FC99}"/>
-              </a:ext>
-            </a:extLst>
-          </p:cNvPr>
-          <p:cNvPicPr>
-            <a:picLocks noGrp="1" noChangeAspect="1"/>
-          </p:cNvPicPr>
+      </p:sp>
+      <p:sp>
+        <p:nvSpPr>
+          <p:cNvPr id="11" name="Picture Placeholder 10">
+            <a:extLst>
+              <a:ext uri="{FF2B5EF4-FFF2-40B4-BE49-F238E27FC236}">
+                <a16:creationId xmlns:a16="http://schemas.microsoft.com/office/drawing/2014/main" id="{1BAC062A-5965-4AF5-B051-01005F9175A2}"/>
+              </a:ext>
+            </a:extLst>
+          </p:cNvPr>
+          <p:cNvSpPr>
+            <a:spLocks noGrp="1"/>
+          </p:cNvSpPr>
           <p:nvPr>
             <p:ph type="pic" sz="quarter" idx="17"/>
           </p:nvPr>
-        </p:nvPicPr>
-        <p:blipFill rotWithShape="1">
-          <a:blip r:embed="rId6">
-            <a:extLst>
-              <a:ext uri="{28A0092B-C50C-407E-A947-70E740481C1C}">
-                <a14:useLocalDpi xmlns:a14="http://schemas.microsoft.com/office/drawing/2010/main" val="0"/>
-              </a:ext>
-            </a:extLst>
-          </a:blip>
-          <a:srcRect t="20634" b="12345"/>
-          <a:stretch/>
-        </p:blipFill>
-        <p:spPr>
-          <a:xfrm>
-            <a:off x="3063240" y="6126480"/>
-            <a:ext cx="3017520" cy="3017520"/>
-          </a:xfrm>
-        </p:spPr>
-      </p:pic>
-      <p:pic>
-        <p:nvPicPr>
-          <p:cNvPr id="42" name="Picture Placeholder 41">
-            <a:extLst>
-              <a:ext uri="{FF2B5EF4-FFF2-40B4-BE49-F238E27FC236}">
-                <a16:creationId xmlns:a16="http://schemas.microsoft.com/office/drawing/2014/main" id="{B4121951-95A1-4BBE-9C8E-67E29E53DC74}"/>
-              </a:ext>
-            </a:extLst>
-          </p:cNvPr>
-          <p:cNvPicPr>
-            <a:picLocks noGrp="1" noChangeAspect="1"/>
-          </p:cNvPicPr>
+        </p:nvSpPr>
+        <p:spPr/>
+      </p:sp>
+      <p:sp>
+        <p:nvSpPr>
+          <p:cNvPr id="13" name="Picture Placeholder 12">
+            <a:extLst>
+              <a:ext uri="{FF2B5EF4-FFF2-40B4-BE49-F238E27FC236}">
+                <a16:creationId xmlns:a16="http://schemas.microsoft.com/office/drawing/2014/main" id="{61749278-E456-4CF8-A23C-39851B03D6B0}"/>
+              </a:ext>
+            </a:extLst>
+          </p:cNvPr>
+          <p:cNvSpPr>
+            <a:spLocks noGrp="1"/>
+          </p:cNvSpPr>
           <p:nvPr>
             <p:ph type="pic" sz="quarter" idx="18"/>
           </p:nvPr>
-        </p:nvPicPr>
-        <p:blipFill rotWithShape="1">
-          <a:blip r:embed="rId7">
-            <a:extLst>
-              <a:ext uri="{28A0092B-C50C-407E-A947-70E740481C1C}">
-                <a14:useLocalDpi xmlns:a14="http://schemas.microsoft.com/office/drawing/2010/main" val="0"/>
-              </a:ext>
-            </a:extLst>
-          </a:blip>
-          <a:srcRect t="3930" b="29084"/>
-          <a:stretch/>
-        </p:blipFill>
-        <p:spPr>
-          <a:xfrm>
-            <a:off x="6126480" y="6126480"/>
-            <a:ext cx="3017520" cy="3017520"/>
-          </a:xfrm>
-        </p:spPr>
-      </p:pic>
-      <p:pic>
-        <p:nvPicPr>
-          <p:cNvPr id="44" name="Picture Placeholder 43">
-            <a:extLst>
-              <a:ext uri="{FF2B5EF4-FFF2-40B4-BE49-F238E27FC236}">
-                <a16:creationId xmlns:a16="http://schemas.microsoft.com/office/drawing/2014/main" id="{3BEED312-BB79-4A64-B019-351C7B3D0EFE}"/>
-              </a:ext>
-            </a:extLst>
-          </p:cNvPr>
-          <p:cNvPicPr>
-            <a:picLocks noGrp="1" noChangeAspect="1"/>
-          </p:cNvPicPr>
+        </p:nvSpPr>
+        <p:spPr/>
+      </p:sp>
+      <p:sp>
+        <p:nvSpPr>
+          <p:cNvPr id="15" name="Picture Placeholder 14">
+            <a:extLst>
+              <a:ext uri="{FF2B5EF4-FFF2-40B4-BE49-F238E27FC236}">
+                <a16:creationId xmlns:a16="http://schemas.microsoft.com/office/drawing/2014/main" id="{FF900EE5-2E98-4D65-A4DE-DA77105DCAAB}"/>
+              </a:ext>
+            </a:extLst>
+          </p:cNvPr>
+          <p:cNvSpPr>
+            <a:spLocks noGrp="1"/>
+          </p:cNvSpPr>
           <p:nvPr>
             <p:ph type="pic" sz="quarter" idx="19"/>
           </p:nvPr>
-        </p:nvPicPr>
-        <p:blipFill>
-          <a:blip r:embed="rId8">
-            <a:extLst>
-              <a:ext uri="{28A0092B-C50C-407E-A947-70E740481C1C}">
-                <a14:useLocalDpi xmlns:a14="http://schemas.microsoft.com/office/drawing/2010/main" val="0"/>
-              </a:ext>
-            </a:extLst>
-          </a:blip>
-          <a:srcRect t="16507" b="16507"/>
-          <a:stretch>
-            <a:fillRect/>
-          </a:stretch>
-        </p:blipFill>
+        </p:nvSpPr>
         <p:spPr/>
-      </p:pic>
-      <p:pic>
-        <p:nvPicPr>
-          <p:cNvPr id="46" name="Picture Placeholder 45">
-            <a:extLst>
-              <a:ext uri="{FF2B5EF4-FFF2-40B4-BE49-F238E27FC236}">
-                <a16:creationId xmlns:a16="http://schemas.microsoft.com/office/drawing/2014/main" id="{D7FBD4CC-D6BC-4182-8892-00B6797C4A7F}"/>
-              </a:ext>
-            </a:extLst>
-          </p:cNvPr>
-          <p:cNvPicPr>
-            <a:picLocks noGrp="1" noChangeAspect="1"/>
-          </p:cNvPicPr>
+      </p:sp>
+      <p:sp>
+        <p:nvSpPr>
+          <p:cNvPr id="17" name="Picture Placeholder 16">
+            <a:extLst>
+              <a:ext uri="{FF2B5EF4-FFF2-40B4-BE49-F238E27FC236}">
+                <a16:creationId xmlns:a16="http://schemas.microsoft.com/office/drawing/2014/main" id="{1776C723-239C-401C-B1DB-45C95EBE3E4A}"/>
+              </a:ext>
+            </a:extLst>
+          </p:cNvPr>
+          <p:cNvSpPr>
+            <a:spLocks noGrp="1"/>
+          </p:cNvSpPr>
           <p:nvPr>
             <p:ph type="pic" sz="quarter" idx="20"/>
           </p:nvPr>
-        </p:nvPicPr>
-        <p:blipFill>
-          <a:blip r:embed="rId9">
-            <a:extLst>
-              <a:ext uri="{28A0092B-C50C-407E-A947-70E740481C1C}">
-                <a14:useLocalDpi xmlns:a14="http://schemas.microsoft.com/office/drawing/2010/main" val="0"/>
-              </a:ext>
-            </a:extLst>
-          </a:blip>
-          <a:srcRect t="16490" b="16490"/>
-          <a:stretch>
-            <a:fillRect/>
-          </a:stretch>
-        </p:blipFill>
+        </p:nvSpPr>
         <p:spPr/>
-      </p:pic>
-      <p:pic>
-        <p:nvPicPr>
-          <p:cNvPr id="48" name="Picture Placeholder 47">
-            <a:extLst>
-              <a:ext uri="{FF2B5EF4-FFF2-40B4-BE49-F238E27FC236}">
-                <a16:creationId xmlns:a16="http://schemas.microsoft.com/office/drawing/2014/main" id="{FF15A9B9-7B94-418F-9CCE-893733279D9E}"/>
-              </a:ext>
-            </a:extLst>
-          </p:cNvPr>
-          <p:cNvPicPr>
-            <a:picLocks noGrp="1" noChangeAspect="1"/>
-          </p:cNvPicPr>
+      </p:sp>
+      <p:sp>
+        <p:nvSpPr>
+          <p:cNvPr id="19" name="Picture Placeholder 18">
+            <a:extLst>
+              <a:ext uri="{FF2B5EF4-FFF2-40B4-BE49-F238E27FC236}">
+                <a16:creationId xmlns:a16="http://schemas.microsoft.com/office/drawing/2014/main" id="{D196CAA6-61D6-4FF2-8856-F0F962122F5D}"/>
+              </a:ext>
+            </a:extLst>
+          </p:cNvPr>
+          <p:cNvSpPr>
+            <a:spLocks noGrp="1"/>
+          </p:cNvSpPr>
           <p:nvPr>
             <p:ph type="pic" sz="quarter" idx="21"/>
           </p:nvPr>
-        </p:nvPicPr>
-        <p:blipFill>
-          <a:blip r:embed="rId10">
-            <a:extLst>
-              <a:ext uri="{28A0092B-C50C-407E-A947-70E740481C1C}">
-                <a14:useLocalDpi xmlns:a14="http://schemas.microsoft.com/office/drawing/2010/main" val="0"/>
-              </a:ext>
-            </a:extLst>
-          </a:blip>
-          <a:srcRect t="16507" b="16507"/>
-          <a:stretch>
-            <a:fillRect/>
-          </a:stretch>
-        </p:blipFill>
+        </p:nvSpPr>
         <p:spPr/>
-      </p:pic>
+      </p:sp>
     </p:spTree>
     <p:extLst>
       <p:ext uri="{BB962C8B-B14F-4D97-AF65-F5344CB8AC3E}">

--- a/social/instagram - collage.pptx
+++ b/social/instagram - collage.pptx
@@ -1442,7 +1442,7 @@
           <a:p>
             <a:fld id="{865D7AB1-FF78-44A7-B276-877EED28BAA5}" type="datetimeFigureOut">
               <a:rPr lang="en-US" smtClean="0"/>
-              <a:t>1/19/2022</a:t>
+              <a:t>1/25/2022</a:t>
             </a:fld>
             <a:endParaRPr lang="en-US"/>
           </a:p>
@@ -2045,10 +2045,10 @@
       </p:grpSpPr>
       <p:pic>
         <p:nvPicPr>
-          <p:cNvPr id="1043" name="Picture Placeholder 1042">
-            <a:extLst>
-              <a:ext uri="{FF2B5EF4-FFF2-40B4-BE49-F238E27FC236}">
-                <a16:creationId xmlns:a16="http://schemas.microsoft.com/office/drawing/2014/main" id="{944303E6-6F29-498F-8AF1-FB5C8B411E12}"/>
+          <p:cNvPr id="1024" name="Picture Placeholder 1023">
+            <a:extLst>
+              <a:ext uri="{FF2B5EF4-FFF2-40B4-BE49-F238E27FC236}">
+                <a16:creationId xmlns:a16="http://schemas.microsoft.com/office/drawing/2014/main" id="{069AFDE3-50D1-483F-9581-50350F1A83BF}"/>
               </a:ext>
             </a:extLst>
           </p:cNvPr>
@@ -2059,7 +2059,7 @@
             <p:ph type="pic" sz="quarter" idx="10"/>
           </p:nvPr>
         </p:nvPicPr>
-        <p:blipFill rotWithShape="1">
+        <p:blipFill>
           <a:blip r:embed="rId2">
             <a:extLst>
               <a:ext uri="{28A0092B-C50C-407E-A947-70E740481C1C}">
@@ -2068,16 +2068,24 @@
             </a:extLst>
           </a:blip>
           <a:srcRect t="16507" b="16507"/>
-          <a:stretch/>
+          <a:stretch>
+            <a:fillRect/>
+          </a:stretch>
         </p:blipFill>
-        <p:spPr/>
+        <p:spPr>
+          <a:xfrm>
+            <a:off x="0" y="0"/>
+            <a:ext cx="3017520" cy="3017520"/>
+          </a:xfrm>
+          <a:ln w="38100"/>
+        </p:spPr>
       </p:pic>
       <p:pic>
         <p:nvPicPr>
-          <p:cNvPr id="1045" name="Picture Placeholder 1044">
-            <a:extLst>
-              <a:ext uri="{FF2B5EF4-FFF2-40B4-BE49-F238E27FC236}">
-                <a16:creationId xmlns:a16="http://schemas.microsoft.com/office/drawing/2014/main" id="{25935320-0186-4A72-BFC2-A08C3D486121}"/>
+          <p:cNvPr id="1027" name="Picture Placeholder 1026">
+            <a:extLst>
+              <a:ext uri="{FF2B5EF4-FFF2-40B4-BE49-F238E27FC236}">
+                <a16:creationId xmlns:a16="http://schemas.microsoft.com/office/drawing/2014/main" id="{65164685-8005-4F75-9EDC-37F9A0B67A92}"/>
               </a:ext>
             </a:extLst>
           </p:cNvPr>
@@ -2088,7 +2096,7 @@
             <p:ph type="pic" sz="quarter" idx="11"/>
           </p:nvPr>
         </p:nvPicPr>
-        <p:blipFill rotWithShape="1">
+        <p:blipFill>
           <a:blip r:embed="rId3">
             <a:extLst>
               <a:ext uri="{28A0092B-C50C-407E-A947-70E740481C1C}">
@@ -2097,16 +2105,20 @@
             </a:extLst>
           </a:blip>
           <a:srcRect t="16490" b="16490"/>
-          <a:stretch/>
+          <a:stretch>
+            <a:fillRect/>
+          </a:stretch>
         </p:blipFill>
-        <p:spPr/>
+        <p:spPr>
+          <a:ln w="38100"/>
+        </p:spPr>
       </p:pic>
       <p:pic>
         <p:nvPicPr>
-          <p:cNvPr id="1047" name="Picture Placeholder 1046">
-            <a:extLst>
-              <a:ext uri="{FF2B5EF4-FFF2-40B4-BE49-F238E27FC236}">
-                <a16:creationId xmlns:a16="http://schemas.microsoft.com/office/drawing/2014/main" id="{DA3C9055-B483-464F-BB88-A31F34892C68}"/>
+          <p:cNvPr id="1029" name="Picture Placeholder 1028">
+            <a:extLst>
+              <a:ext uri="{FF2B5EF4-FFF2-40B4-BE49-F238E27FC236}">
+                <a16:creationId xmlns:a16="http://schemas.microsoft.com/office/drawing/2014/main" id="{7429FA5D-5772-40C9-8547-98F0D0273BDF}"/>
               </a:ext>
             </a:extLst>
           </p:cNvPr>
@@ -2117,7 +2129,7 @@
             <p:ph type="pic" sz="quarter" idx="12"/>
           </p:nvPr>
         </p:nvPicPr>
-        <p:blipFill rotWithShape="1">
+        <p:blipFill>
           <a:blip r:embed="rId4">
             <a:extLst>
               <a:ext uri="{28A0092B-C50C-407E-A947-70E740481C1C}">
@@ -2126,16 +2138,20 @@
             </a:extLst>
           </a:blip>
           <a:srcRect t="16507" b="16507"/>
-          <a:stretch/>
+          <a:stretch>
+            <a:fillRect/>
+          </a:stretch>
         </p:blipFill>
-        <p:spPr/>
+        <p:spPr>
+          <a:ln w="38100"/>
+        </p:spPr>
       </p:pic>
       <p:pic>
         <p:nvPicPr>
-          <p:cNvPr id="1049" name="Picture Placeholder 1048">
-            <a:extLst>
-              <a:ext uri="{FF2B5EF4-FFF2-40B4-BE49-F238E27FC236}">
-                <a16:creationId xmlns:a16="http://schemas.microsoft.com/office/drawing/2014/main" id="{C9DF3A5A-1C69-4F9E-93B3-115DF5EFB54C}"/>
+          <p:cNvPr id="136" name="Picture Placeholder 135">
+            <a:extLst>
+              <a:ext uri="{FF2B5EF4-FFF2-40B4-BE49-F238E27FC236}">
+                <a16:creationId xmlns:a16="http://schemas.microsoft.com/office/drawing/2014/main" id="{34639E11-5C30-42AB-B90B-7ADB45C88E48}"/>
               </a:ext>
             </a:extLst>
           </p:cNvPr>
@@ -2146,7 +2162,7 @@
             <p:ph type="pic" sz="quarter" idx="16"/>
           </p:nvPr>
         </p:nvPicPr>
-        <p:blipFill rotWithShape="1">
+        <p:blipFill>
           <a:blip r:embed="rId5">
             <a:extLst>
               <a:ext uri="{28A0092B-C50C-407E-A947-70E740481C1C}">
@@ -2155,16 +2171,20 @@
             </a:extLst>
           </a:blip>
           <a:srcRect t="16507" b="16507"/>
-          <a:stretch/>
+          <a:stretch>
+            <a:fillRect/>
+          </a:stretch>
         </p:blipFill>
-        <p:spPr/>
+        <p:spPr>
+          <a:ln w="38100"/>
+        </p:spPr>
       </p:pic>
       <p:pic>
         <p:nvPicPr>
-          <p:cNvPr id="1051" name="Picture Placeholder 1050">
-            <a:extLst>
-              <a:ext uri="{FF2B5EF4-FFF2-40B4-BE49-F238E27FC236}">
-                <a16:creationId xmlns:a16="http://schemas.microsoft.com/office/drawing/2014/main" id="{739BD1BF-249A-43A8-9E3C-B3C5D5BB64E1}"/>
+          <p:cNvPr id="138" name="Picture Placeholder 137">
+            <a:extLst>
+              <a:ext uri="{FF2B5EF4-FFF2-40B4-BE49-F238E27FC236}">
+                <a16:creationId xmlns:a16="http://schemas.microsoft.com/office/drawing/2014/main" id="{DEBFAD78-5C46-4676-861F-8CB3327FE147}"/>
               </a:ext>
             </a:extLst>
           </p:cNvPr>
@@ -2175,7 +2195,7 @@
             <p:ph type="pic" sz="quarter" idx="17"/>
           </p:nvPr>
         </p:nvPicPr>
-        <p:blipFill rotWithShape="1">
+        <p:blipFill>
           <a:blip r:embed="rId6">
             <a:extLst>
               <a:ext uri="{28A0092B-C50C-407E-A947-70E740481C1C}">
@@ -2184,16 +2204,20 @@
             </a:extLst>
           </a:blip>
           <a:srcRect t="16490" b="16490"/>
-          <a:stretch/>
+          <a:stretch>
+            <a:fillRect/>
+          </a:stretch>
         </p:blipFill>
-        <p:spPr/>
+        <p:spPr>
+          <a:ln w="38100"/>
+        </p:spPr>
       </p:pic>
       <p:pic>
         <p:nvPicPr>
-          <p:cNvPr id="1053" name="Picture Placeholder 1052">
-            <a:extLst>
-              <a:ext uri="{FF2B5EF4-FFF2-40B4-BE49-F238E27FC236}">
-                <a16:creationId xmlns:a16="http://schemas.microsoft.com/office/drawing/2014/main" id="{0EC068B8-07E8-4D98-849E-7546CABD9F21}"/>
+          <p:cNvPr id="140" name="Picture Placeholder 139">
+            <a:extLst>
+              <a:ext uri="{FF2B5EF4-FFF2-40B4-BE49-F238E27FC236}">
+                <a16:creationId xmlns:a16="http://schemas.microsoft.com/office/drawing/2014/main" id="{9F1D38D5-342F-4E94-BF7C-2AA9D5ECCDE6}"/>
               </a:ext>
             </a:extLst>
           </p:cNvPr>
@@ -2204,7 +2228,7 @@
             <p:ph type="pic" sz="quarter" idx="18"/>
           </p:nvPr>
         </p:nvPicPr>
-        <p:blipFill rotWithShape="1">
+        <p:blipFill>
           <a:blip r:embed="rId7">
             <a:extLst>
               <a:ext uri="{28A0092B-C50C-407E-A947-70E740481C1C}">
@@ -2213,16 +2237,20 @@
             </a:extLst>
           </a:blip>
           <a:srcRect t="16507" b="16507"/>
-          <a:stretch/>
+          <a:stretch>
+            <a:fillRect/>
+          </a:stretch>
         </p:blipFill>
-        <p:spPr/>
+        <p:spPr>
+          <a:ln w="38100"/>
+        </p:spPr>
       </p:pic>
       <p:pic>
         <p:nvPicPr>
-          <p:cNvPr id="1055" name="Picture Placeholder 1054">
-            <a:extLst>
-              <a:ext uri="{FF2B5EF4-FFF2-40B4-BE49-F238E27FC236}">
-                <a16:creationId xmlns:a16="http://schemas.microsoft.com/office/drawing/2014/main" id="{91D319A0-9D45-4300-9093-540EF468608E}"/>
+          <p:cNvPr id="128" name="Picture Placeholder 127">
+            <a:extLst>
+              <a:ext uri="{FF2B5EF4-FFF2-40B4-BE49-F238E27FC236}">
+                <a16:creationId xmlns:a16="http://schemas.microsoft.com/office/drawing/2014/main" id="{253CF71A-51B3-4945-A351-0CB751CA7AFD}"/>
               </a:ext>
             </a:extLst>
           </p:cNvPr>
@@ -2233,7 +2261,7 @@
             <p:ph type="pic" sz="quarter" idx="19"/>
           </p:nvPr>
         </p:nvPicPr>
-        <p:blipFill rotWithShape="1">
+        <p:blipFill>
           <a:blip r:embed="rId8">
             <a:extLst>
               <a:ext uri="{28A0092B-C50C-407E-A947-70E740481C1C}">
@@ -2242,16 +2270,20 @@
             </a:extLst>
           </a:blip>
           <a:srcRect t="16507" b="16507"/>
-          <a:stretch/>
+          <a:stretch>
+            <a:fillRect/>
+          </a:stretch>
         </p:blipFill>
-        <p:spPr/>
+        <p:spPr>
+          <a:ln w="38100"/>
+        </p:spPr>
       </p:pic>
       <p:pic>
         <p:nvPicPr>
-          <p:cNvPr id="132" name="Picture Placeholder 131">
-            <a:extLst>
-              <a:ext uri="{FF2B5EF4-FFF2-40B4-BE49-F238E27FC236}">
-                <a16:creationId xmlns:a16="http://schemas.microsoft.com/office/drawing/2014/main" id="{725DCBBC-9844-4DE6-8E7F-A8819B77C756}"/>
+          <p:cNvPr id="130" name="Picture Placeholder 129">
+            <a:extLst>
+              <a:ext uri="{FF2B5EF4-FFF2-40B4-BE49-F238E27FC236}">
+                <a16:creationId xmlns:a16="http://schemas.microsoft.com/office/drawing/2014/main" id="{4BD2960D-43A4-40FD-B380-499FD75FD541}"/>
               </a:ext>
             </a:extLst>
           </p:cNvPr>
@@ -2262,7 +2294,7 @@
             <p:ph type="pic" sz="quarter" idx="20"/>
           </p:nvPr>
         </p:nvPicPr>
-        <p:blipFill rotWithShape="1">
+        <p:blipFill>
           <a:blip r:embed="rId9">
             <a:extLst>
               <a:ext uri="{28A0092B-C50C-407E-A947-70E740481C1C}">
@@ -2271,16 +2303,20 @@
             </a:extLst>
           </a:blip>
           <a:srcRect t="16490" b="16490"/>
-          <a:stretch/>
+          <a:stretch>
+            <a:fillRect/>
+          </a:stretch>
         </p:blipFill>
-        <p:spPr/>
+        <p:spPr>
+          <a:ln w="38100"/>
+        </p:spPr>
       </p:pic>
       <p:pic>
         <p:nvPicPr>
-          <p:cNvPr id="134" name="Picture Placeholder 133">
-            <a:extLst>
-              <a:ext uri="{FF2B5EF4-FFF2-40B4-BE49-F238E27FC236}">
-                <a16:creationId xmlns:a16="http://schemas.microsoft.com/office/drawing/2014/main" id="{62DB70E5-8E47-406E-B252-3681098E3614}"/>
+          <p:cNvPr id="133" name="Picture Placeholder 132">
+            <a:extLst>
+              <a:ext uri="{FF2B5EF4-FFF2-40B4-BE49-F238E27FC236}">
+                <a16:creationId xmlns:a16="http://schemas.microsoft.com/office/drawing/2014/main" id="{BE0FE25D-7899-4552-BA3E-01E33C4499ED}"/>
               </a:ext>
             </a:extLst>
           </p:cNvPr>
@@ -2291,7 +2327,7 @@
             <p:ph type="pic" sz="quarter" idx="21"/>
           </p:nvPr>
         </p:nvPicPr>
-        <p:blipFill rotWithShape="1">
+        <p:blipFill>
           <a:blip r:embed="rId10">
             <a:extLst>
               <a:ext uri="{28A0092B-C50C-407E-A947-70E740481C1C}">
@@ -2300,16 +2336,20 @@
             </a:extLst>
           </a:blip>
           <a:srcRect t="16507" b="16507"/>
-          <a:stretch/>
+          <a:stretch>
+            <a:fillRect/>
+          </a:stretch>
         </p:blipFill>
-        <p:spPr/>
+        <p:spPr>
+          <a:ln w="38100"/>
+        </p:spPr>
       </p:pic>
       <p:grpSp>
         <p:nvGrpSpPr>
-          <p:cNvPr id="167" name="Group 166">
-            <a:extLst>
-              <a:ext uri="{FF2B5EF4-FFF2-40B4-BE49-F238E27FC236}">
-                <a16:creationId xmlns:a16="http://schemas.microsoft.com/office/drawing/2014/main" id="{DA3FB3F9-571A-45BE-829A-4B214A5CE366}"/>
+          <p:cNvPr id="82" name="Group 81">
+            <a:extLst>
+              <a:ext uri="{FF2B5EF4-FFF2-40B4-BE49-F238E27FC236}">
+                <a16:creationId xmlns:a16="http://schemas.microsoft.com/office/drawing/2014/main" id="{7747A9CB-FBE8-4E75-87A8-A6DC3F676B40}"/>
               </a:ext>
             </a:extLst>
           </p:cNvPr>
@@ -2326,10 +2366,10 @@
         </p:grpSpPr>
         <p:sp>
           <p:nvSpPr>
-            <p:cNvPr id="168" name="Rectangle 167">
+            <p:cNvPr id="83" name="Rectangle 82">
               <a:extLst>
                 <a:ext uri="{FF2B5EF4-FFF2-40B4-BE49-F238E27FC236}">
-                  <a16:creationId xmlns:a16="http://schemas.microsoft.com/office/drawing/2014/main" id="{2DEFB2C8-F429-4F41-90E3-1578F5A2FAE0}"/>
+                  <a16:creationId xmlns:a16="http://schemas.microsoft.com/office/drawing/2014/main" id="{C537967E-7E07-4050-AF39-2B06C78F9FE0}"/>
                 </a:ext>
               </a:extLst>
             </p:cNvPr>
@@ -2380,10 +2420,10 @@
         </p:sp>
         <p:grpSp>
           <p:nvGrpSpPr>
-            <p:cNvPr id="169" name="Group 168">
+            <p:cNvPr id="84" name="Group 83">
               <a:extLst>
                 <a:ext uri="{FF2B5EF4-FFF2-40B4-BE49-F238E27FC236}">
-                  <a16:creationId xmlns:a16="http://schemas.microsoft.com/office/drawing/2014/main" id="{BAA9F9AF-4ED1-429F-858E-728C56D3916A}"/>
+                  <a16:creationId xmlns:a16="http://schemas.microsoft.com/office/drawing/2014/main" id="{0FEEF53B-6F8D-4B6C-9DA6-76A2EDFF24ED}"/>
                 </a:ext>
               </a:extLst>
             </p:cNvPr>
@@ -2400,10 +2440,10 @@
           </p:grpSpPr>
           <p:sp>
             <p:nvSpPr>
-              <p:cNvPr id="170" name="Rectangle 169">
+              <p:cNvPr id="85" name="Rectangle 84">
                 <a:extLst>
                   <a:ext uri="{FF2B5EF4-FFF2-40B4-BE49-F238E27FC236}">
-                    <a16:creationId xmlns:a16="http://schemas.microsoft.com/office/drawing/2014/main" id="{47EF21E4-7397-47BB-A6D5-3683346EDFBC}"/>
+                    <a16:creationId xmlns:a16="http://schemas.microsoft.com/office/drawing/2014/main" id="{5DDC7C92-2FE0-4D74-BFFB-461C36A849BA}"/>
                   </a:ext>
                 </a:extLst>
               </p:cNvPr>
@@ -2504,10 +2544,10 @@
           </p:sp>
           <p:pic>
             <p:nvPicPr>
-              <p:cNvPr id="171" name="Picture 170">
+              <p:cNvPr id="86" name="Picture 85">
                 <a:extLst>
                   <a:ext uri="{FF2B5EF4-FFF2-40B4-BE49-F238E27FC236}">
-                    <a16:creationId xmlns:a16="http://schemas.microsoft.com/office/drawing/2014/main" id="{AC9BE954-52B7-4D51-8476-F4C110AAFD5C}"/>
+                    <a16:creationId xmlns:a16="http://schemas.microsoft.com/office/drawing/2014/main" id="{467009B8-D4D1-4645-8380-6C23978FB3DF}"/>
                   </a:ext>
                 </a:extLst>
               </p:cNvPr>
@@ -2542,10 +2582,10 @@
       </p:grpSp>
       <p:sp>
         <p:nvSpPr>
-          <p:cNvPr id="30" name="Text Placeholder 29">
-            <a:extLst>
-              <a:ext uri="{FF2B5EF4-FFF2-40B4-BE49-F238E27FC236}">
-                <a16:creationId xmlns:a16="http://schemas.microsoft.com/office/drawing/2014/main" id="{D161149F-2B8B-43A5-BF94-529D60C236DA}"/>
+          <p:cNvPr id="21" name="Text Placeholder 20">
+            <a:extLst>
+              <a:ext uri="{FF2B5EF4-FFF2-40B4-BE49-F238E27FC236}">
+                <a16:creationId xmlns:a16="http://schemas.microsoft.com/office/drawing/2014/main" id="{7C0AABE5-6F5E-4641-A8EB-1031F998FF3B}"/>
               </a:ext>
             </a:extLst>
           </p:cNvPr>
@@ -2556,14 +2596,28 @@
             <p:ph type="body" sz="quarter" idx="22"/>
           </p:nvPr>
         </p:nvSpPr>
-        <p:spPr/>
+        <p:spPr>
+          <a:xfrm>
+            <a:off x="914400" y="3840480"/>
+            <a:ext cx="7315200" cy="1463040"/>
+          </a:xfrm>
+          <a:ln w="38100"/>
+        </p:spPr>
         <p:txBody>
-          <a:bodyPr/>
+          <a:bodyPr>
+            <a:normAutofit/>
+          </a:bodyPr>
           <a:lstStyle/>
           <a:p>
             <a:r>
               <a:rPr lang="en-US" dirty="0"/>
-              <a:t>Best Jim Carrey Comedy Movie</a:t>
+              <a:t>What Is the Best</a:t>
+            </a:r>
+          </a:p>
+          <a:p>
+            <a:r>
+              <a:rPr lang="en-US" dirty="0"/>
+              <a:t>Superhero Movie of 2021?</a:t>
             </a:r>
           </a:p>
         </p:txBody>
